--- a/동아리.pptx
+++ b/동아리.pptx
@@ -4229,8 +4229,8 @@
         </p:nvSpPr>
         <p:spPr>
           <a:xfrm>
-            <a:off x="9602723" y="939107"/>
-            <a:ext cx="5178553" cy="2105661"/>
+            <a:off x="7267574" y="1017311"/>
+            <a:ext cx="9848850" cy="1949252"/>
           </a:xfrm>
           <a:prstGeom prst="rect">
             <a:avLst/>
@@ -4255,9 +4255,22 @@
           </a:lstStyle>
           <a:p>
             <a:r>
-              <a:rPr dirty="0"/>
-              <a:t>{index}</a:t>
+              <a:rPr dirty="0" smtClean="0"/>
+              <a:t>{</a:t>
             </a:r>
+            <a:r>
+              <a:rPr lang="ko-KR" altLang="en-US" dirty="0" smtClean="0"/>
+              <a:t>안녕하세요</a:t>
+            </a:r>
+            <a:r>
+              <a:rPr lang="en-US" altLang="ko-KR" smtClean="0"/>
+              <a:t>!</a:t>
+            </a:r>
+            <a:r>
+              <a:rPr smtClean="0"/>
+              <a:t>}</a:t>
+            </a:r>
+            <a:endParaRPr dirty="0"/>
           </a:p>
         </p:txBody>
       </p:sp>
@@ -4267,6 +4280,13 @@
     <a:masterClrMapping/>
   </p:clrMapOvr>
   <p:transition spd="med" advClick="0" advTm="0"/>
+  <p:timing>
+    <p:tnLst>
+      <p:par>
+        <p:cTn id="1" dur="indefinite" restart="never" nodeType="tmRoot"/>
+      </p:par>
+    </p:tnLst>
+  </p:timing>
 </p:sld>
 </file>
 
@@ -4761,6 +4781,13 @@
       </p:transition>
     </mc:Fallback>
   </mc:AlternateContent>
+  <p:timing>
+    <p:tnLst>
+      <p:par>
+        <p:cTn id="1" dur="indefinite" restart="never" nodeType="tmRoot"/>
+      </p:par>
+    </p:tnLst>
+  </p:timing>
 </p:sld>
 </file>
 
@@ -4801,8 +4828,16 @@
           <a:lstStyle/>
           <a:p>
             <a:r>
+              <a:rPr dirty="0" err="1">
+                <a:latin typeface="AppleSDGothicNeoEB00" panose="02000503000000000000" pitchFamily="2" charset="-127"/>
+                <a:ea typeface="AppleSDGothicNeoEB00" panose="02000503000000000000" pitchFamily="2" charset="-127"/>
+              </a:rPr>
               <a:t>Github</a:t>
             </a:r>
+            <a:endParaRPr dirty="0">
+              <a:latin typeface="AppleSDGothicNeoEB00" panose="02000503000000000000" pitchFamily="2" charset="-127"/>
+              <a:ea typeface="AppleSDGothicNeoEB00" panose="02000503000000000000" pitchFamily="2" charset="-127"/>
+            </a:endParaRPr>
           </a:p>
         </p:txBody>
       </p:sp>
@@ -4827,12 +4862,23 @@
           </a:extLst>
         </p:spPr>
         <p:txBody>
-          <a:bodyPr/>
+          <a:bodyPr>
+            <a:noAutofit/>
+          </a:bodyPr>
           <a:lstStyle/>
           <a:p>
+            <a:pPr hangingPunct="0"/>
             <a:r>
+              <a:rPr sz="5400" dirty="0" err="1">
+                <a:latin typeface="AppleSDGothicNeoM00" panose="02000503000000000000" pitchFamily="2" charset="-127"/>
+                <a:ea typeface="AppleSDGothicNeoM00" panose="02000503000000000000" pitchFamily="2" charset="-127"/>
+              </a:rPr>
               <a:t>이소울</a:t>
             </a:r>
+            <a:endParaRPr sz="5400" dirty="0">
+              <a:latin typeface="AppleSDGothicNeoM00" panose="02000503000000000000" pitchFamily="2" charset="-127"/>
+              <a:ea typeface="AppleSDGothicNeoM00" panose="02000503000000000000" pitchFamily="2" charset="-127"/>
+            </a:endParaRPr>
           </a:p>
         </p:txBody>
       </p:sp>
@@ -4842,6 +4888,13 @@
     <a:masterClrMapping/>
   </p:clrMapOvr>
   <p:transition spd="med"/>
+  <p:timing>
+    <p:tnLst>
+      <p:par>
+        <p:cTn id="1" dur="indefinite" restart="never" nodeType="tmRoot"/>
+      </p:par>
+    </p:tnLst>
+  </p:timing>
 </p:sld>
 </file>
 
@@ -4890,10 +4943,16 @@
           </a:lstStyle>
           <a:p>
             <a:r>
-              <a:rPr lang="en-US" dirty="0"/>
+              <a:rPr lang="en-US" dirty="0">
+                <a:latin typeface="AppleSDGothicNeoEB00" panose="02000503000000000000" pitchFamily="2" charset="-127"/>
+                <a:ea typeface="AppleSDGothicNeoEB00" panose="02000503000000000000" pitchFamily="2" charset="-127"/>
+              </a:rPr>
               <a:t>Git</a:t>
             </a:r>
-            <a:endParaRPr dirty="0"/>
+            <a:endParaRPr dirty="0">
+              <a:latin typeface="AppleSDGothicNeoEB00" panose="02000503000000000000" pitchFamily="2" charset="-127"/>
+              <a:ea typeface="AppleSDGothicNeoEB00" panose="02000503000000000000" pitchFamily="2" charset="-127"/>
+            </a:endParaRPr>
           </a:p>
         </p:txBody>
       </p:sp>
@@ -4914,6 +4973,13 @@
       </p:transition>
     </mc:Fallback>
   </mc:AlternateContent>
+  <p:timing>
+    <p:tnLst>
+      <p:par>
+        <p:cTn id="1" dur="indefinite" restart="never" nodeType="tmRoot"/>
+      </p:par>
+    </p:tnLst>
+  </p:timing>
 </p:sld>
 </file>
 
@@ -4962,6 +5028,10 @@
           </a:lstStyle>
           <a:p>
             <a:r>
+              <a:rPr dirty="0">
+                <a:latin typeface="AppleSDGothicNeoEB00" panose="02000503000000000000" pitchFamily="2" charset="-127"/>
+                <a:ea typeface="AppleSDGothicNeoEB00" panose="02000503000000000000" pitchFamily="2" charset="-127"/>
+              </a:rPr>
               <a:t>VCS</a:t>
             </a:r>
           </a:p>
@@ -4989,6 +5059,13 @@
       </p:transition>
     </mc:Fallback>
   </mc:AlternateContent>
+  <p:timing>
+    <p:tnLst>
+      <p:par>
+        <p:cTn id="1" dur="indefinite" restart="never" nodeType="tmRoot"/>
+      </p:par>
+    </p:tnLst>
+  </p:timing>
 </p:sld>
 </file>
 
@@ -5037,6 +5114,10 @@
           </a:lstStyle>
           <a:p>
             <a:r>
+              <a:rPr dirty="0">
+                <a:latin typeface="AppleSDGothicNeoEB00" panose="02000503000000000000" pitchFamily="2" charset="-127"/>
+                <a:ea typeface="AppleSDGothicNeoEB00" panose="02000503000000000000" pitchFamily="2" charset="-127"/>
+              </a:rPr>
               <a:t>Version Control System</a:t>
             </a:r>
           </a:p>
@@ -5059,6 +5140,13 @@
       </p:transition>
     </mc:Fallback>
   </mc:AlternateContent>
+  <p:timing>
+    <p:tnLst>
+      <p:par>
+        <p:cTn id="1" dur="indefinite" restart="never" nodeType="tmRoot"/>
+      </p:par>
+    </p:tnLst>
+  </p:timing>
 </p:sld>
 </file>
 
@@ -5112,6 +5200,13 @@
     <a:masterClrMapping/>
   </p:clrMapOvr>
   <p:transition spd="med"/>
+  <p:timing>
+    <p:tnLst>
+      <p:par>
+        <p:cTn id="1" dur="indefinite" restart="never" nodeType="tmRoot"/>
+      </p:par>
+    </p:tnLst>
+  </p:timing>
 </p:sld>
 </file>
 
@@ -5178,6 +5273,13 @@
     <a:masterClrMapping/>
   </p:clrMapOvr>
   <p:transition spd="med" advClick="0" advTm="0"/>
+  <p:timing>
+    <p:tnLst>
+      <p:par>
+        <p:cTn id="1" dur="indefinite" restart="never" nodeType="tmRoot"/>
+      </p:par>
+    </p:tnLst>
+  </p:timing>
 </p:sld>
 </file>
 
@@ -5377,6 +5479,13 @@
       </p:transition>
     </mc:Fallback>
   </mc:AlternateContent>
+  <p:timing>
+    <p:tnLst>
+      <p:par>
+        <p:cTn id="1" dur="indefinite" restart="never" nodeType="tmRoot"/>
+      </p:par>
+    </p:tnLst>
+  </p:timing>
 </p:sld>
 </file>
 
@@ -5671,6 +5780,13 @@
       </p:transition>
     </mc:Fallback>
   </mc:AlternateContent>
+  <p:timing>
+    <p:tnLst>
+      <p:par>
+        <p:cTn id="1" dur="indefinite" restart="never" nodeType="tmRoot"/>
+      </p:par>
+    </p:tnLst>
+  </p:timing>
 </p:sld>
 </file>
 
@@ -5719,8 +5835,30 @@
           </a:lstStyle>
           <a:p>
             <a:r>
-              <a:t>Github 가입</a:t>
+              <a:rPr dirty="0" err="1">
+                <a:latin typeface="AppleSDGothicNeoEB00" panose="02000503000000000000" pitchFamily="2" charset="-127"/>
+                <a:ea typeface="AppleSDGothicNeoEB00" panose="02000503000000000000" pitchFamily="2" charset="-127"/>
+              </a:rPr>
+              <a:t>Github</a:t>
             </a:r>
+            <a:r>
+              <a:rPr dirty="0">
+                <a:latin typeface="AppleSDGothicNeoEB00" panose="02000503000000000000" pitchFamily="2" charset="-127"/>
+                <a:ea typeface="AppleSDGothicNeoEB00" panose="02000503000000000000" pitchFamily="2" charset="-127"/>
+              </a:rPr>
+              <a:t> </a:t>
+            </a:r>
+            <a:r>
+              <a:rPr dirty="0" err="1">
+                <a:latin typeface="AppleSDGothicNeoEB00" panose="02000503000000000000" pitchFamily="2" charset="-127"/>
+                <a:ea typeface="AppleSDGothicNeoEB00" panose="02000503000000000000" pitchFamily="2" charset="-127"/>
+              </a:rPr>
+              <a:t>가입</a:t>
+            </a:r>
+            <a:endParaRPr dirty="0">
+              <a:latin typeface="AppleSDGothicNeoEB00" panose="02000503000000000000" pitchFamily="2" charset="-127"/>
+              <a:ea typeface="AppleSDGothicNeoEB00" panose="02000503000000000000" pitchFamily="2" charset="-127"/>
+            </a:endParaRPr>
           </a:p>
         </p:txBody>
       </p:sp>
@@ -5730,6 +5868,13 @@
     <a:masterClrMapping/>
   </p:clrMapOvr>
   <p:transition spd="med" advClick="0" advTm="0"/>
+  <p:timing>
+    <p:tnLst>
+      <p:par>
+        <p:cTn id="1" dur="indefinite" restart="never" nodeType="tmRoot"/>
+      </p:par>
+    </p:tnLst>
+  </p:timing>
 </p:sld>
 </file>
 
@@ -5778,18 +5923,30 @@
           </a:lstStyle>
           <a:p>
             <a:r>
-              <a:rPr dirty="0" err="1"/>
+              <a:rPr dirty="0" err="1">
+                <a:latin typeface="AppleSDGothicNeoEB00" panose="02000503000000000000" pitchFamily="2" charset="-127"/>
+                <a:ea typeface="AppleSDGothicNeoEB00" panose="02000503000000000000" pitchFamily="2" charset="-127"/>
+              </a:rPr>
               <a:t>Sourcetree</a:t>
             </a:r>
             <a:r>
-              <a:rPr dirty="0"/>
+              <a:rPr dirty="0">
+                <a:latin typeface="AppleSDGothicNeoEB00" panose="02000503000000000000" pitchFamily="2" charset="-127"/>
+                <a:ea typeface="AppleSDGothicNeoEB00" panose="02000503000000000000" pitchFamily="2" charset="-127"/>
+              </a:rPr>
               <a:t> </a:t>
             </a:r>
             <a:r>
-              <a:rPr dirty="0" err="1"/>
+              <a:rPr dirty="0" err="1">
+                <a:latin typeface="AppleSDGothicNeoEB00" panose="02000503000000000000" pitchFamily="2" charset="-127"/>
+                <a:ea typeface="AppleSDGothicNeoEB00" panose="02000503000000000000" pitchFamily="2" charset="-127"/>
+              </a:rPr>
               <a:t>설치</a:t>
             </a:r>
-            <a:endParaRPr dirty="0"/>
+            <a:endParaRPr dirty="0">
+              <a:latin typeface="AppleSDGothicNeoEB00" panose="02000503000000000000" pitchFamily="2" charset="-127"/>
+              <a:ea typeface="AppleSDGothicNeoEB00" panose="02000503000000000000" pitchFamily="2" charset="-127"/>
+            </a:endParaRPr>
           </a:p>
         </p:txBody>
       </p:sp>
@@ -5810,6 +5967,13 @@
       </p:transition>
     </mc:Fallback>
   </mc:AlternateContent>
+  <p:timing>
+    <p:tnLst>
+      <p:par>
+        <p:cTn id="1" dur="indefinite" restart="never" nodeType="tmRoot"/>
+      </p:par>
+    </p:tnLst>
+  </p:timing>
 </p:sld>
 </file>
 
@@ -5903,6 +6067,13 @@
     <a:masterClrMapping/>
   </p:clrMapOvr>
   <p:transition spd="med"/>
+  <p:timing>
+    <p:tnLst>
+      <p:par>
+        <p:cTn id="1" dur="indefinite" restart="never" nodeType="tmRoot"/>
+      </p:par>
+    </p:tnLst>
+  </p:timing>
 </p:sld>
 </file>
 
@@ -5967,6 +6138,13 @@
       </p:transition>
     </mc:Fallback>
   </mc:AlternateContent>
+  <p:timing>
+    <p:tnLst>
+      <p:par>
+        <p:cTn id="1" dur="indefinite" restart="never" nodeType="tmRoot"/>
+      </p:par>
+    </p:tnLst>
+  </p:timing>
 </p:sld>
 </file>
 
@@ -6041,7 +6219,53 @@
           <a:lstStyle/>
           <a:p>
             <a:r>
-              <a:t>AI 관련 논문 제출 수</a:t>
+              <a:rPr dirty="0">
+                <a:latin typeface="AppleSDGothicNeoM00" panose="02000503000000000000" pitchFamily="2" charset="-127"/>
+                <a:ea typeface="AppleSDGothicNeoM00" panose="02000503000000000000" pitchFamily="2" charset="-127"/>
+              </a:rPr>
+              <a:t>AI </a:t>
+            </a:r>
+            <a:r>
+              <a:rPr dirty="0" err="1">
+                <a:latin typeface="AppleSDGothicNeoM00" panose="02000503000000000000" pitchFamily="2" charset="-127"/>
+                <a:ea typeface="AppleSDGothicNeoM00" panose="02000503000000000000" pitchFamily="2" charset="-127"/>
+              </a:rPr>
+              <a:t>관련</a:t>
+            </a:r>
+            <a:r>
+              <a:rPr dirty="0">
+                <a:latin typeface="AppleSDGothicNeoM00" panose="02000503000000000000" pitchFamily="2" charset="-127"/>
+                <a:ea typeface="AppleSDGothicNeoM00" panose="02000503000000000000" pitchFamily="2" charset="-127"/>
+              </a:rPr>
+              <a:t> </a:t>
+            </a:r>
+            <a:r>
+              <a:rPr dirty="0" err="1">
+                <a:latin typeface="AppleSDGothicNeoM00" panose="02000503000000000000" pitchFamily="2" charset="-127"/>
+                <a:ea typeface="AppleSDGothicNeoM00" panose="02000503000000000000" pitchFamily="2" charset="-127"/>
+              </a:rPr>
+              <a:t>논문</a:t>
+            </a:r>
+            <a:r>
+              <a:rPr dirty="0">
+                <a:latin typeface="AppleSDGothicNeoM00" panose="02000503000000000000" pitchFamily="2" charset="-127"/>
+                <a:ea typeface="AppleSDGothicNeoM00" panose="02000503000000000000" pitchFamily="2" charset="-127"/>
+              </a:rPr>
+              <a:t> </a:t>
+            </a:r>
+            <a:r>
+              <a:rPr dirty="0" err="1">
+                <a:latin typeface="AppleSDGothicNeoM00" panose="02000503000000000000" pitchFamily="2" charset="-127"/>
+                <a:ea typeface="AppleSDGothicNeoM00" panose="02000503000000000000" pitchFamily="2" charset="-127"/>
+              </a:rPr>
+              <a:t>제출</a:t>
+            </a:r>
+            <a:r>
+              <a:rPr dirty="0">
+                <a:latin typeface="AppleSDGothicNeoM00" panose="02000503000000000000" pitchFamily="2" charset="-127"/>
+                <a:ea typeface="AppleSDGothicNeoM00" panose="02000503000000000000" pitchFamily="2" charset="-127"/>
+              </a:rPr>
+              <a:t> 수</a:t>
             </a:r>
           </a:p>
         </p:txBody>
@@ -6088,7 +6312,60 @@
           </a:lstStyle>
           <a:p>
             <a:r>
-              <a:t>출처 - 정보통신기획평가원 (2015년 대비 2020년 기준)</a:t>
+              <a:rPr dirty="0" err="1">
+                <a:latin typeface="AppleSDGothicNeoM00" panose="02000503000000000000" pitchFamily="2" charset="-127"/>
+                <a:ea typeface="AppleSDGothicNeoM00" panose="02000503000000000000" pitchFamily="2" charset="-127"/>
+              </a:rPr>
+              <a:t>출처</a:t>
+            </a:r>
+            <a:r>
+              <a:rPr dirty="0">
+                <a:latin typeface="AppleSDGothicNeoM00" panose="02000503000000000000" pitchFamily="2" charset="-127"/>
+                <a:ea typeface="AppleSDGothicNeoM00" panose="02000503000000000000" pitchFamily="2" charset="-127"/>
+              </a:rPr>
+              <a:t> - </a:t>
+            </a:r>
+            <a:r>
+              <a:rPr dirty="0" err="1">
+                <a:latin typeface="AppleSDGothicNeoM00" panose="02000503000000000000" pitchFamily="2" charset="-127"/>
+                <a:ea typeface="AppleSDGothicNeoM00" panose="02000503000000000000" pitchFamily="2" charset="-127"/>
+              </a:rPr>
+              <a:t>정보통신기획평가원</a:t>
+            </a:r>
+            <a:r>
+              <a:rPr dirty="0">
+                <a:latin typeface="AppleSDGothicNeoM00" panose="02000503000000000000" pitchFamily="2" charset="-127"/>
+                <a:ea typeface="AppleSDGothicNeoM00" panose="02000503000000000000" pitchFamily="2" charset="-127"/>
+              </a:rPr>
+              <a:t> (2015년 </a:t>
+            </a:r>
+            <a:r>
+              <a:rPr dirty="0" err="1">
+                <a:latin typeface="AppleSDGothicNeoM00" panose="02000503000000000000" pitchFamily="2" charset="-127"/>
+                <a:ea typeface="AppleSDGothicNeoM00" panose="02000503000000000000" pitchFamily="2" charset="-127"/>
+              </a:rPr>
+              <a:t>대비</a:t>
+            </a:r>
+            <a:r>
+              <a:rPr dirty="0">
+                <a:latin typeface="AppleSDGothicNeoM00" panose="02000503000000000000" pitchFamily="2" charset="-127"/>
+                <a:ea typeface="AppleSDGothicNeoM00" panose="02000503000000000000" pitchFamily="2" charset="-127"/>
+              </a:rPr>
+              <a:t> 2020년 </a:t>
+            </a:r>
+            <a:r>
+              <a:rPr dirty="0" err="1">
+                <a:latin typeface="AppleSDGothicNeoM00" panose="02000503000000000000" pitchFamily="2" charset="-127"/>
+                <a:ea typeface="AppleSDGothicNeoM00" panose="02000503000000000000" pitchFamily="2" charset="-127"/>
+              </a:rPr>
+              <a:t>기준</a:t>
+            </a:r>
+            <a:r>
+              <a:rPr dirty="0">
+                <a:latin typeface="AppleSDGothicNeoM00" panose="02000503000000000000" pitchFamily="2" charset="-127"/>
+                <a:ea typeface="AppleSDGothicNeoM00" panose="02000503000000000000" pitchFamily="2" charset="-127"/>
+              </a:rPr>
+              <a:t>)</a:t>
             </a:r>
           </a:p>
         </p:txBody>
@@ -6099,6 +6376,13 @@
     <a:masterClrMapping/>
   </p:clrMapOvr>
   <p:transition spd="med"/>
+  <p:timing>
+    <p:tnLst>
+      <p:par>
+        <p:cTn id="1" dur="indefinite" restart="never" nodeType="tmRoot"/>
+      </p:par>
+    </p:tnLst>
+  </p:timing>
 </p:sld>
 </file>
 
@@ -6210,6 +6494,13 @@
       </p:transition>
     </mc:Fallback>
   </mc:AlternateContent>
+  <p:timing>
+    <p:tnLst>
+      <p:par>
+        <p:cTn id="1" dur="indefinite" restart="never" nodeType="tmRoot"/>
+      </p:par>
+    </p:tnLst>
+  </p:timing>
 </p:sld>
 </file>
 
@@ -6340,8 +6631,44 @@
           </a:lstStyle>
           <a:p>
             <a:r>
-              <a:t>광고에 침투한 딥 페이크</a:t>
+              <a:rPr dirty="0" err="1">
+                <a:latin typeface="AppleSDGothicNeoM00" panose="02000503000000000000" pitchFamily="2" charset="-127"/>
+                <a:ea typeface="AppleSDGothicNeoM00" panose="02000503000000000000" pitchFamily="2" charset="-127"/>
+              </a:rPr>
+              <a:t>광고에</a:t>
             </a:r>
+            <a:r>
+              <a:rPr dirty="0">
+                <a:latin typeface="AppleSDGothicNeoM00" panose="02000503000000000000" pitchFamily="2" charset="-127"/>
+                <a:ea typeface="AppleSDGothicNeoM00" panose="02000503000000000000" pitchFamily="2" charset="-127"/>
+              </a:rPr>
+              <a:t> </a:t>
+            </a:r>
+            <a:r>
+              <a:rPr dirty="0" err="1">
+                <a:latin typeface="AppleSDGothicNeoM00" panose="02000503000000000000" pitchFamily="2" charset="-127"/>
+                <a:ea typeface="AppleSDGothicNeoM00" panose="02000503000000000000" pitchFamily="2" charset="-127"/>
+              </a:rPr>
+              <a:t>침투한</a:t>
+            </a:r>
+            <a:r>
+              <a:rPr dirty="0">
+                <a:latin typeface="AppleSDGothicNeoM00" panose="02000503000000000000" pitchFamily="2" charset="-127"/>
+                <a:ea typeface="AppleSDGothicNeoM00" panose="02000503000000000000" pitchFamily="2" charset="-127"/>
+              </a:rPr>
+              <a:t> 딥 </a:t>
+            </a:r>
+            <a:r>
+              <a:rPr dirty="0" err="1">
+                <a:latin typeface="AppleSDGothicNeoM00" panose="02000503000000000000" pitchFamily="2" charset="-127"/>
+                <a:ea typeface="AppleSDGothicNeoM00" panose="02000503000000000000" pitchFamily="2" charset="-127"/>
+              </a:rPr>
+              <a:t>페이크</a:t>
+            </a:r>
+            <a:endParaRPr dirty="0">
+              <a:latin typeface="AppleSDGothicNeoM00" panose="02000503000000000000" pitchFamily="2" charset="-127"/>
+              <a:ea typeface="AppleSDGothicNeoM00" panose="02000503000000000000" pitchFamily="2" charset="-127"/>
+            </a:endParaRPr>
           </a:p>
         </p:txBody>
       </p:sp>
@@ -6358,6 +6685,13 @@
       <p:transition/>
     </mc:Fallback>
   </mc:AlternateContent>
+  <p:timing>
+    <p:tnLst>
+      <p:par>
+        <p:cTn id="1" dur="indefinite" restart="never" nodeType="tmRoot"/>
+      </p:par>
+    </p:tnLst>
+  </p:timing>
 </p:sld>
 </file>
 
@@ -6488,8 +6822,37 @@
           </a:lstStyle>
           <a:p>
             <a:r>
-              <a:t>딥 페이크 박영선</a:t>
+              <a:rPr dirty="0">
+                <a:latin typeface="AppleSDGothicNeoM00" panose="02000503000000000000" pitchFamily="2" charset="-127"/>
+                <a:ea typeface="AppleSDGothicNeoM00" panose="02000503000000000000" pitchFamily="2" charset="-127"/>
+              </a:rPr>
+              <a:t>딥 </a:t>
             </a:r>
+            <a:r>
+              <a:rPr dirty="0" err="1">
+                <a:latin typeface="AppleSDGothicNeoM00" panose="02000503000000000000" pitchFamily="2" charset="-127"/>
+                <a:ea typeface="AppleSDGothicNeoM00" panose="02000503000000000000" pitchFamily="2" charset="-127"/>
+              </a:rPr>
+              <a:t>페이크</a:t>
+            </a:r>
+            <a:r>
+              <a:rPr dirty="0">
+                <a:latin typeface="AppleSDGothicNeoM00" panose="02000503000000000000" pitchFamily="2" charset="-127"/>
+                <a:ea typeface="AppleSDGothicNeoM00" panose="02000503000000000000" pitchFamily="2" charset="-127"/>
+              </a:rPr>
+              <a:t> </a:t>
+            </a:r>
+            <a:r>
+              <a:rPr dirty="0" err="1">
+                <a:latin typeface="AppleSDGothicNeoM00" panose="02000503000000000000" pitchFamily="2" charset="-127"/>
+                <a:ea typeface="AppleSDGothicNeoM00" panose="02000503000000000000" pitchFamily="2" charset="-127"/>
+              </a:rPr>
+              <a:t>박영선</a:t>
+            </a:r>
+            <a:endParaRPr dirty="0">
+              <a:latin typeface="AppleSDGothicNeoM00" panose="02000503000000000000" pitchFamily="2" charset="-127"/>
+              <a:ea typeface="AppleSDGothicNeoM00" panose="02000503000000000000" pitchFamily="2" charset="-127"/>
+            </a:endParaRPr>
           </a:p>
         </p:txBody>
       </p:sp>
@@ -6510,6 +6873,13 @@
       </p:transition>
     </mc:Fallback>
   </mc:AlternateContent>
+  <p:timing>
+    <p:tnLst>
+      <p:par>
+        <p:cTn id="1" dur="indefinite" restart="never" nodeType="tmRoot"/>
+      </p:par>
+    </p:tnLst>
+  </p:timing>
 </p:sld>
 </file>
 
@@ -6640,8 +7010,37 @@
           </a:lstStyle>
           <a:p>
             <a:r>
-              <a:t>딥 페이크 처벌</a:t>
+              <a:rPr dirty="0">
+                <a:latin typeface="AppleSDGothicNeoM00" panose="02000503000000000000" pitchFamily="2" charset="-127"/>
+                <a:ea typeface="AppleSDGothicNeoM00" panose="02000503000000000000" pitchFamily="2" charset="-127"/>
+              </a:rPr>
+              <a:t>딥 </a:t>
             </a:r>
+            <a:r>
+              <a:rPr dirty="0" err="1">
+                <a:latin typeface="AppleSDGothicNeoM00" panose="02000503000000000000" pitchFamily="2" charset="-127"/>
+                <a:ea typeface="AppleSDGothicNeoM00" panose="02000503000000000000" pitchFamily="2" charset="-127"/>
+              </a:rPr>
+              <a:t>페이크</a:t>
+            </a:r>
+            <a:r>
+              <a:rPr dirty="0">
+                <a:latin typeface="AppleSDGothicNeoM00" panose="02000503000000000000" pitchFamily="2" charset="-127"/>
+                <a:ea typeface="AppleSDGothicNeoM00" panose="02000503000000000000" pitchFamily="2" charset="-127"/>
+              </a:rPr>
+              <a:t> </a:t>
+            </a:r>
+            <a:r>
+              <a:rPr dirty="0" err="1">
+                <a:latin typeface="AppleSDGothicNeoM00" panose="02000503000000000000" pitchFamily="2" charset="-127"/>
+                <a:ea typeface="AppleSDGothicNeoM00" panose="02000503000000000000" pitchFamily="2" charset="-127"/>
+              </a:rPr>
+              <a:t>처벌</a:t>
+            </a:r>
+            <a:endParaRPr dirty="0">
+              <a:latin typeface="AppleSDGothicNeoM00" panose="02000503000000000000" pitchFamily="2" charset="-127"/>
+              <a:ea typeface="AppleSDGothicNeoM00" panose="02000503000000000000" pitchFamily="2" charset="-127"/>
+            </a:endParaRPr>
           </a:p>
         </p:txBody>
       </p:sp>
@@ -6662,6 +7061,13 @@
       </p:transition>
     </mc:Fallback>
   </mc:AlternateContent>
+  <p:timing>
+    <p:tnLst>
+      <p:par>
+        <p:cTn id="1" dur="indefinite" restart="never" nodeType="tmRoot"/>
+      </p:par>
+    </p:tnLst>
+  </p:timing>
 </p:sld>
 </file>
 
